--- a/Project.pptx
+++ b/Project.pptx
@@ -203,7 +203,7 @@
           <a:p>
             <a:fld id="{A5C20BB3-3CCB-4FE5-991B-82F6BCB48AF3}" type="datetimeFigureOut">
               <a:rPr lang="en-US" smtClean="0"/>
-              <a:t>3/24/2018</a:t>
+              <a:t>3/27/2018</a:t>
             </a:fld>
             <a:endParaRPr lang="en-US"/>
           </a:p>
@@ -599,7 +599,7 @@
           <a:p>
             <a:fld id="{1555EDF9-3D79-45DA-8367-2F63551C4C7D}" type="datetimeFigureOut">
               <a:rPr lang="en-US" smtClean="0"/>
-              <a:t>3/24/2018</a:t>
+              <a:t>3/27/2018</a:t>
             </a:fld>
             <a:endParaRPr lang="en-US"/>
           </a:p>
@@ -767,7 +767,7 @@
           <a:p>
             <a:fld id="{1555EDF9-3D79-45DA-8367-2F63551C4C7D}" type="datetimeFigureOut">
               <a:rPr lang="en-US" smtClean="0"/>
-              <a:t>3/24/2018</a:t>
+              <a:t>3/27/2018</a:t>
             </a:fld>
             <a:endParaRPr lang="en-US"/>
           </a:p>
@@ -945,7 +945,7 @@
           <a:p>
             <a:fld id="{1555EDF9-3D79-45DA-8367-2F63551C4C7D}" type="datetimeFigureOut">
               <a:rPr lang="en-US" smtClean="0"/>
-              <a:t>3/24/2018</a:t>
+              <a:t>3/27/2018</a:t>
             </a:fld>
             <a:endParaRPr lang="en-US"/>
           </a:p>
@@ -1113,7 +1113,7 @@
           <a:p>
             <a:fld id="{1555EDF9-3D79-45DA-8367-2F63551C4C7D}" type="datetimeFigureOut">
               <a:rPr lang="en-US" smtClean="0"/>
-              <a:t>3/24/2018</a:t>
+              <a:t>3/27/2018</a:t>
             </a:fld>
             <a:endParaRPr lang="en-US"/>
           </a:p>
@@ -1358,7 +1358,7 @@
           <a:p>
             <a:fld id="{1555EDF9-3D79-45DA-8367-2F63551C4C7D}" type="datetimeFigureOut">
               <a:rPr lang="en-US" smtClean="0"/>
-              <a:t>3/24/2018</a:t>
+              <a:t>3/27/2018</a:t>
             </a:fld>
             <a:endParaRPr lang="en-US"/>
           </a:p>
@@ -1587,7 +1587,7 @@
           <a:p>
             <a:fld id="{1555EDF9-3D79-45DA-8367-2F63551C4C7D}" type="datetimeFigureOut">
               <a:rPr lang="en-US" smtClean="0"/>
-              <a:t>3/24/2018</a:t>
+              <a:t>3/27/2018</a:t>
             </a:fld>
             <a:endParaRPr lang="en-US"/>
           </a:p>
@@ -1951,7 +1951,7 @@
           <a:p>
             <a:fld id="{1555EDF9-3D79-45DA-8367-2F63551C4C7D}" type="datetimeFigureOut">
               <a:rPr lang="en-US" smtClean="0"/>
-              <a:t>3/24/2018</a:t>
+              <a:t>3/27/2018</a:t>
             </a:fld>
             <a:endParaRPr lang="en-US"/>
           </a:p>
@@ -2068,7 +2068,7 @@
           <a:p>
             <a:fld id="{1555EDF9-3D79-45DA-8367-2F63551C4C7D}" type="datetimeFigureOut">
               <a:rPr lang="en-US" smtClean="0"/>
-              <a:t>3/24/2018</a:t>
+              <a:t>3/27/2018</a:t>
             </a:fld>
             <a:endParaRPr lang="en-US"/>
           </a:p>
@@ -2163,7 +2163,7 @@
           <a:p>
             <a:fld id="{1555EDF9-3D79-45DA-8367-2F63551C4C7D}" type="datetimeFigureOut">
               <a:rPr lang="en-US" smtClean="0"/>
-              <a:t>3/24/2018</a:t>
+              <a:t>3/27/2018</a:t>
             </a:fld>
             <a:endParaRPr lang="en-US"/>
           </a:p>
@@ -2438,7 +2438,7 @@
           <a:p>
             <a:fld id="{1555EDF9-3D79-45DA-8367-2F63551C4C7D}" type="datetimeFigureOut">
               <a:rPr lang="en-US" smtClean="0"/>
-              <a:t>3/24/2018</a:t>
+              <a:t>3/27/2018</a:t>
             </a:fld>
             <a:endParaRPr lang="en-US"/>
           </a:p>
@@ -2693,7 +2693,7 @@
           <a:p>
             <a:fld id="{1555EDF9-3D79-45DA-8367-2F63551C4C7D}" type="datetimeFigureOut">
               <a:rPr lang="en-US" smtClean="0"/>
-              <a:t>3/24/2018</a:t>
+              <a:t>3/27/2018</a:t>
             </a:fld>
             <a:endParaRPr lang="en-US"/>
           </a:p>
@@ -2904,7 +2904,7 @@
           <a:p>
             <a:fld id="{1555EDF9-3D79-45DA-8367-2F63551C4C7D}" type="datetimeFigureOut">
               <a:rPr lang="en-US" smtClean="0"/>
-              <a:t>3/24/2018</a:t>
+              <a:t>3/27/2018</a:t>
             </a:fld>
             <a:endParaRPr lang="en-US"/>
           </a:p>
@@ -4003,15 +4003,9 @@
         <p:spPr/>
         <p:txBody>
           <a:bodyPr>
-            <a:normAutofit lnSpcReduction="10000"/>
+            <a:normAutofit/>
           </a:bodyPr>
           <a:lstStyle/>
-          <a:p>
-            <a:r>
-              <a:rPr lang="en-US" dirty="0"/>
-              <a:t>Data scrubbing is time-consuming</a:t>
-            </a:r>
-          </a:p>
           <a:p>
             <a:r>
               <a:rPr lang="en-US" dirty="0"/>
@@ -4135,6 +4129,13 @@
             <a:pPr lvl="1"/>
             <a:r>
               <a:rPr lang="en-US" dirty="0"/>
+              <a:t>Store that data in Database</a:t>
+            </a:r>
+          </a:p>
+          <a:p>
+            <a:pPr lvl="1"/>
+            <a:r>
+              <a:rPr lang="en-US" dirty="0"/>
               <a:t>Design Cloud based reporting analytics solution</a:t>
             </a:r>
           </a:p>
@@ -4142,7 +4143,7 @@
             <a:pPr lvl="1"/>
             <a:r>
               <a:rPr lang="en-US" dirty="0"/>
-              <a:t>Data Visualization Reports</a:t>
+              <a:t>Present Data Visualization Reports</a:t>
             </a:r>
           </a:p>
         </p:txBody>
@@ -4200,35 +4201,440 @@
           <a:p>
             <a:r>
               <a:rPr lang="en-US" dirty="0"/>
-              <a:t>Architecture</a:t>
-            </a:r>
-          </a:p>
-        </p:txBody>
-      </p:sp>
-      <p:sp>
-        <p:nvSpPr>
-          <p:cNvPr id="3" name="Content Placeholder 2">
+              <a:t>Architecture – Client – Server using REST APIs</a:t>
+            </a:r>
+          </a:p>
+        </p:txBody>
+      </p:sp>
+      <p:sp>
+        <p:nvSpPr>
+          <p:cNvPr id="4" name="Rectangle 3">
             <a:extLst>
               <a:ext uri="{FF2B5EF4-FFF2-40B4-BE49-F238E27FC236}">
-                <a16:creationId xmlns:a16="http://schemas.microsoft.com/office/drawing/2014/main" id="{92560B9E-444B-4291-B22F-1E558A708C71}"/>
+                <a16:creationId xmlns:a16="http://schemas.microsoft.com/office/drawing/2014/main" id="{9CF7AA4D-E8E3-4BF1-9632-954DC83CCC61}"/>
               </a:ext>
             </a:extLst>
           </p:cNvPr>
-          <p:cNvSpPr>
-            <a:spLocks noGrp="1"/>
-          </p:cNvSpPr>
-          <p:nvPr>
-            <p:ph idx="1"/>
-          </p:nvPr>
-        </p:nvSpPr>
-        <p:spPr/>
-        <p:txBody>
-          <a:bodyPr/>
+          <p:cNvSpPr/>
+          <p:nvPr/>
+        </p:nvSpPr>
+        <p:spPr>
+          <a:xfrm>
+            <a:off x="3037115" y="2144486"/>
+            <a:ext cx="914400" cy="914400"/>
+          </a:xfrm>
+          <a:prstGeom prst="rect">
+            <a:avLst/>
+          </a:prstGeom>
+        </p:spPr>
+        <p:style>
+          <a:lnRef idx="2">
+            <a:schemeClr val="accent1">
+              <a:shade val="50000"/>
+            </a:schemeClr>
+          </a:lnRef>
+          <a:fillRef idx="1">
+            <a:schemeClr val="accent1"/>
+          </a:fillRef>
+          <a:effectRef idx="0">
+            <a:schemeClr val="accent1"/>
+          </a:effectRef>
+          <a:fontRef idx="minor">
+            <a:schemeClr val="lt1"/>
+          </a:fontRef>
+        </p:style>
+        <p:txBody>
+          <a:bodyPr rtlCol="0" anchor="ctr"/>
+          <a:lstStyle/>
+          <a:p>
+            <a:pPr algn="ctr"/>
+            <a:endParaRPr lang="en-US"/>
+          </a:p>
+        </p:txBody>
+      </p:sp>
+      <p:sp>
+        <p:nvSpPr>
+          <p:cNvPr id="5" name="Rectangle 4">
+            <a:extLst>
+              <a:ext uri="{FF2B5EF4-FFF2-40B4-BE49-F238E27FC236}">
+                <a16:creationId xmlns:a16="http://schemas.microsoft.com/office/drawing/2014/main" id="{48AB15E2-A26E-4C6F-B05F-7D06769A5568}"/>
+              </a:ext>
+            </a:extLst>
+          </p:cNvPr>
+          <p:cNvSpPr/>
+          <p:nvPr/>
+        </p:nvSpPr>
+        <p:spPr>
+          <a:xfrm>
+            <a:off x="7783287" y="2144486"/>
+            <a:ext cx="914400" cy="914400"/>
+          </a:xfrm>
+          <a:prstGeom prst="rect">
+            <a:avLst/>
+          </a:prstGeom>
+        </p:spPr>
+        <p:style>
+          <a:lnRef idx="2">
+            <a:schemeClr val="accent2">
+              <a:shade val="50000"/>
+            </a:schemeClr>
+          </a:lnRef>
+          <a:fillRef idx="1">
+            <a:schemeClr val="accent2"/>
+          </a:fillRef>
+          <a:effectRef idx="0">
+            <a:schemeClr val="accent2"/>
+          </a:effectRef>
+          <a:fontRef idx="minor">
+            <a:schemeClr val="lt1"/>
+          </a:fontRef>
+        </p:style>
+        <p:txBody>
+          <a:bodyPr rtlCol="0" anchor="ctr"/>
+          <a:lstStyle/>
+          <a:p>
+            <a:pPr algn="ctr"/>
+            <a:endParaRPr lang="en-US"/>
+          </a:p>
+        </p:txBody>
+      </p:sp>
+      <p:cxnSp>
+        <p:nvCxnSpPr>
+          <p:cNvPr id="7" name="Straight Arrow Connector 6">
+            <a:extLst>
+              <a:ext uri="{FF2B5EF4-FFF2-40B4-BE49-F238E27FC236}">
+                <a16:creationId xmlns:a16="http://schemas.microsoft.com/office/drawing/2014/main" id="{05B3C7DC-87C0-4F3C-A0AA-45B5EAABAB41}"/>
+              </a:ext>
+            </a:extLst>
+          </p:cNvPr>
+          <p:cNvCxnSpPr>
+            <a:stCxn id="4" idx="3"/>
+          </p:cNvCxnSpPr>
+          <p:nvPr/>
+        </p:nvCxnSpPr>
+        <p:spPr>
+          <a:xfrm>
+            <a:off x="3951515" y="2601686"/>
+            <a:ext cx="3679371" cy="0"/>
+          </a:xfrm>
+          <a:prstGeom prst="straightConnector1">
+            <a:avLst/>
+          </a:prstGeom>
+          <a:ln>
+            <a:tailEnd type="triangle"/>
+          </a:ln>
+        </p:spPr>
+        <p:style>
+          <a:lnRef idx="1">
+            <a:schemeClr val="accent1"/>
+          </a:lnRef>
+          <a:fillRef idx="0">
+            <a:schemeClr val="accent1"/>
+          </a:fillRef>
+          <a:effectRef idx="0">
+            <a:schemeClr val="accent1"/>
+          </a:effectRef>
+          <a:fontRef idx="minor">
+            <a:schemeClr val="tx1"/>
+          </a:fontRef>
+        </p:style>
+      </p:cxnSp>
+      <p:cxnSp>
+        <p:nvCxnSpPr>
+          <p:cNvPr id="9" name="Straight Arrow Connector 8">
+            <a:extLst>
+              <a:ext uri="{FF2B5EF4-FFF2-40B4-BE49-F238E27FC236}">
+                <a16:creationId xmlns:a16="http://schemas.microsoft.com/office/drawing/2014/main" id="{B44844E0-8506-49A3-8F68-C08FB8789C67}"/>
+              </a:ext>
+            </a:extLst>
+          </p:cNvPr>
+          <p:cNvCxnSpPr/>
+          <p:nvPr/>
+        </p:nvCxnSpPr>
+        <p:spPr>
+          <a:xfrm flipH="1">
+            <a:off x="4082143" y="2852057"/>
+            <a:ext cx="3701144" cy="0"/>
+          </a:xfrm>
+          <a:prstGeom prst="straightConnector1">
+            <a:avLst/>
+          </a:prstGeom>
+          <a:ln>
+            <a:tailEnd type="triangle"/>
+          </a:ln>
+        </p:spPr>
+        <p:style>
+          <a:lnRef idx="1">
+            <a:schemeClr val="accent1"/>
+          </a:lnRef>
+          <a:fillRef idx="0">
+            <a:schemeClr val="accent1"/>
+          </a:fillRef>
+          <a:effectRef idx="0">
+            <a:schemeClr val="accent1"/>
+          </a:effectRef>
+          <a:fontRef idx="minor">
+            <a:schemeClr val="tx1"/>
+          </a:fontRef>
+        </p:style>
+      </p:cxnSp>
+      <p:sp>
+        <p:nvSpPr>
+          <p:cNvPr id="10" name="TextBox 9">
+            <a:extLst>
+              <a:ext uri="{FF2B5EF4-FFF2-40B4-BE49-F238E27FC236}">
+                <a16:creationId xmlns:a16="http://schemas.microsoft.com/office/drawing/2014/main" id="{346B1750-221C-4AB3-A77B-A8344CAAD4C4}"/>
+              </a:ext>
+            </a:extLst>
+          </p:cNvPr>
+          <p:cNvSpPr txBox="1"/>
+          <p:nvPr/>
+        </p:nvSpPr>
+        <p:spPr>
+          <a:xfrm>
+            <a:off x="4735286" y="2275119"/>
+            <a:ext cx="1785257" cy="369332"/>
+          </a:xfrm>
+          <a:prstGeom prst="rect">
+            <a:avLst/>
+          </a:prstGeom>
+          <a:noFill/>
+        </p:spPr>
+        <p:txBody>
+          <a:bodyPr wrap="square" rtlCol="0">
+            <a:spAutoFit/>
+          </a:bodyPr>
           <a:lstStyle/>
           <a:p>
             <a:r>
               <a:rPr lang="en-US" dirty="0"/>
-              <a:t>Need to be discussed</a:t>
+              <a:t>Request Data</a:t>
+            </a:r>
+          </a:p>
+        </p:txBody>
+      </p:sp>
+      <p:sp>
+        <p:nvSpPr>
+          <p:cNvPr id="11" name="TextBox 10">
+            <a:extLst>
+              <a:ext uri="{FF2B5EF4-FFF2-40B4-BE49-F238E27FC236}">
+                <a16:creationId xmlns:a16="http://schemas.microsoft.com/office/drawing/2014/main" id="{50FA4523-4829-4F10-9563-ACABE1E59F57}"/>
+              </a:ext>
+            </a:extLst>
+          </p:cNvPr>
+          <p:cNvSpPr txBox="1"/>
+          <p:nvPr/>
+        </p:nvSpPr>
+        <p:spPr>
+          <a:xfrm>
+            <a:off x="4844143" y="2894821"/>
+            <a:ext cx="1676400" cy="369332"/>
+          </a:xfrm>
+          <a:prstGeom prst="rect">
+            <a:avLst/>
+          </a:prstGeom>
+          <a:noFill/>
+        </p:spPr>
+        <p:txBody>
+          <a:bodyPr wrap="square" rtlCol="0">
+            <a:spAutoFit/>
+          </a:bodyPr>
+          <a:lstStyle/>
+          <a:p>
+            <a:r>
+              <a:rPr lang="en-US" dirty="0"/>
+              <a:t>Receive Data </a:t>
+            </a:r>
+          </a:p>
+        </p:txBody>
+      </p:sp>
+      <p:sp>
+        <p:nvSpPr>
+          <p:cNvPr id="12" name="TextBox 11">
+            <a:extLst>
+              <a:ext uri="{FF2B5EF4-FFF2-40B4-BE49-F238E27FC236}">
+                <a16:creationId xmlns:a16="http://schemas.microsoft.com/office/drawing/2014/main" id="{CE9F6DFA-98A3-476E-B866-CCE3255B801E}"/>
+              </a:ext>
+            </a:extLst>
+          </p:cNvPr>
+          <p:cNvSpPr txBox="1"/>
+          <p:nvPr/>
+        </p:nvSpPr>
+        <p:spPr>
+          <a:xfrm>
+            <a:off x="2830285" y="3799115"/>
+            <a:ext cx="2318657" cy="1200329"/>
+          </a:xfrm>
+          <a:prstGeom prst="rect">
+            <a:avLst/>
+          </a:prstGeom>
+          <a:noFill/>
+        </p:spPr>
+        <p:txBody>
+          <a:bodyPr wrap="square" rtlCol="0">
+            <a:spAutoFit/>
+          </a:bodyPr>
+          <a:lstStyle/>
+          <a:p>
+            <a:r>
+              <a:rPr lang="en-US" dirty="0"/>
+              <a:t>Client will receive data and render appropriate reports/dashboards</a:t>
+            </a:r>
+          </a:p>
+        </p:txBody>
+      </p:sp>
+      <p:sp>
+        <p:nvSpPr>
+          <p:cNvPr id="13" name="TextBox 12">
+            <a:extLst>
+              <a:ext uri="{FF2B5EF4-FFF2-40B4-BE49-F238E27FC236}">
+                <a16:creationId xmlns:a16="http://schemas.microsoft.com/office/drawing/2014/main" id="{61F45B02-1D37-48EC-9F12-372C646A0CE3}"/>
+              </a:ext>
+            </a:extLst>
+          </p:cNvPr>
+          <p:cNvSpPr txBox="1"/>
+          <p:nvPr/>
+        </p:nvSpPr>
+        <p:spPr>
+          <a:xfrm>
+            <a:off x="7935686" y="3624943"/>
+            <a:ext cx="2318657" cy="923330"/>
+          </a:xfrm>
+          <a:prstGeom prst="rect">
+            <a:avLst/>
+          </a:prstGeom>
+          <a:noFill/>
+        </p:spPr>
+        <p:txBody>
+          <a:bodyPr wrap="square" rtlCol="0">
+            <a:spAutoFit/>
+          </a:bodyPr>
+          <a:lstStyle/>
+          <a:p>
+            <a:r>
+              <a:rPr lang="en-US" dirty="0"/>
+              <a:t>Server side API will present data to client on request </a:t>
+            </a:r>
+          </a:p>
+        </p:txBody>
+      </p:sp>
+      <p:sp>
+        <p:nvSpPr>
+          <p:cNvPr id="14" name="Flowchart: Magnetic Disk 13">
+            <a:extLst>
+              <a:ext uri="{FF2B5EF4-FFF2-40B4-BE49-F238E27FC236}">
+                <a16:creationId xmlns:a16="http://schemas.microsoft.com/office/drawing/2014/main" id="{B50A25A9-D82E-485A-AC8B-9E51DE19B92F}"/>
+              </a:ext>
+            </a:extLst>
+          </p:cNvPr>
+          <p:cNvSpPr/>
+          <p:nvPr/>
+        </p:nvSpPr>
+        <p:spPr>
+          <a:xfrm>
+            <a:off x="9503228" y="2335375"/>
+            <a:ext cx="544286" cy="532621"/>
+          </a:xfrm>
+          <a:prstGeom prst="flowChartMagneticDisk">
+            <a:avLst/>
+          </a:prstGeom>
+        </p:spPr>
+        <p:style>
+          <a:lnRef idx="2">
+            <a:schemeClr val="accent1">
+              <a:shade val="50000"/>
+            </a:schemeClr>
+          </a:lnRef>
+          <a:fillRef idx="1">
+            <a:schemeClr val="accent1"/>
+          </a:fillRef>
+          <a:effectRef idx="0">
+            <a:schemeClr val="accent1"/>
+          </a:effectRef>
+          <a:fontRef idx="minor">
+            <a:schemeClr val="lt1"/>
+          </a:fontRef>
+        </p:style>
+        <p:txBody>
+          <a:bodyPr rtlCol="0" anchor="ctr"/>
+          <a:lstStyle/>
+          <a:p>
+            <a:pPr algn="ctr"/>
+            <a:endParaRPr lang="en-US" sz="2000"/>
+          </a:p>
+        </p:txBody>
+      </p:sp>
+      <p:cxnSp>
+        <p:nvCxnSpPr>
+          <p:cNvPr id="16" name="Straight Connector 15">
+            <a:extLst>
+              <a:ext uri="{FF2B5EF4-FFF2-40B4-BE49-F238E27FC236}">
+                <a16:creationId xmlns:a16="http://schemas.microsoft.com/office/drawing/2014/main" id="{5213148D-503A-4F4F-9E2D-FE46419D4983}"/>
+              </a:ext>
+            </a:extLst>
+          </p:cNvPr>
+          <p:cNvCxnSpPr>
+            <a:cxnSpLocks/>
+            <a:stCxn id="5" idx="3"/>
+            <a:endCxn id="14" idx="2"/>
+          </p:cNvCxnSpPr>
+          <p:nvPr/>
+        </p:nvCxnSpPr>
+        <p:spPr>
+          <a:xfrm>
+            <a:off x="8697687" y="2601686"/>
+            <a:ext cx="805541" cy="0"/>
+          </a:xfrm>
+          <a:prstGeom prst="line">
+            <a:avLst/>
+          </a:prstGeom>
+        </p:spPr>
+        <p:style>
+          <a:lnRef idx="1">
+            <a:schemeClr val="accent1"/>
+          </a:lnRef>
+          <a:fillRef idx="0">
+            <a:schemeClr val="accent1"/>
+          </a:fillRef>
+          <a:effectRef idx="0">
+            <a:schemeClr val="accent1"/>
+          </a:effectRef>
+          <a:fontRef idx="minor">
+            <a:schemeClr val="tx1"/>
+          </a:fontRef>
+        </p:style>
+      </p:cxnSp>
+      <p:sp>
+        <p:nvSpPr>
+          <p:cNvPr id="20" name="TextBox 19">
+            <a:extLst>
+              <a:ext uri="{FF2B5EF4-FFF2-40B4-BE49-F238E27FC236}">
+                <a16:creationId xmlns:a16="http://schemas.microsoft.com/office/drawing/2014/main" id="{3800289E-934C-4563-A87E-E0D6A262454D}"/>
+              </a:ext>
+            </a:extLst>
+          </p:cNvPr>
+          <p:cNvSpPr txBox="1"/>
+          <p:nvPr/>
+        </p:nvSpPr>
+        <p:spPr>
+          <a:xfrm>
+            <a:off x="10047514" y="2867996"/>
+            <a:ext cx="1197429" cy="923330"/>
+          </a:xfrm>
+          <a:prstGeom prst="rect">
+            <a:avLst/>
+          </a:prstGeom>
+          <a:noFill/>
+        </p:spPr>
+        <p:txBody>
+          <a:bodyPr wrap="square" rtlCol="0">
+            <a:spAutoFit/>
+          </a:bodyPr>
+          <a:lstStyle/>
+          <a:p>
+            <a:r>
+              <a:rPr lang="en-US" dirty="0"/>
+              <a:t>Database , loads csv sales data</a:t>
             </a:r>
           </a:p>
         </p:txBody>
@@ -4309,12 +4715,89 @@
         </p:nvSpPr>
         <p:spPr/>
         <p:txBody>
-          <a:bodyPr/>
-          <a:lstStyle/>
-          <a:p>
+          <a:bodyPr>
+            <a:normAutofit lnSpcReduction="10000"/>
+          </a:bodyPr>
+          <a:lstStyle/>
+          <a:p>
+            <a:pPr marL="0" indent="0">
+              <a:buNone/>
+            </a:pPr>
             <a:r>
               <a:rPr lang="en-US" dirty="0"/>
-              <a:t>Sales </a:t>
+              <a:t>Visualization Reports:</a:t>
+            </a:r>
+          </a:p>
+          <a:p>
+            <a:pPr marL="514350" indent="-514350">
+              <a:buAutoNum type="arabicPeriod"/>
+            </a:pPr>
+            <a:r>
+              <a:rPr lang="en-US" dirty="0"/>
+              <a:t>Map that displays the distribution of distributors</a:t>
+            </a:r>
+          </a:p>
+          <a:p>
+            <a:pPr marL="514350" indent="-514350">
+              <a:buAutoNum type="arabicPeriod"/>
+            </a:pPr>
+            <a:r>
+              <a:rPr lang="en-US" dirty="0"/>
+              <a:t>Ring chart: top product in sales</a:t>
+            </a:r>
+          </a:p>
+          <a:p>
+            <a:pPr marL="514350" indent="-514350">
+              <a:buAutoNum type="arabicPeriod"/>
+            </a:pPr>
+            <a:r>
+              <a:rPr lang="en-US" dirty="0"/>
+              <a:t>Line chart for category wise sales reports</a:t>
+            </a:r>
+          </a:p>
+          <a:p>
+            <a:pPr marL="514350" indent="-514350">
+              <a:buAutoNum type="arabicPeriod"/>
+            </a:pPr>
+            <a:r>
+              <a:rPr lang="en-US" dirty="0"/>
+              <a:t>Bar chart for category by sale</a:t>
+            </a:r>
+          </a:p>
+          <a:p>
+            <a:pPr marL="0" indent="0">
+              <a:buNone/>
+            </a:pPr>
+            <a:r>
+              <a:rPr lang="en-US" dirty="0"/>
+              <a:t>Report will address following questions,</a:t>
+            </a:r>
+          </a:p>
+          <a:p>
+            <a:pPr marL="514350" indent="-514350">
+              <a:buAutoNum type="arabicPeriod"/>
+            </a:pPr>
+            <a:r>
+              <a:rPr lang="en-US" dirty="0"/>
+              <a:t>What is the top selling product?</a:t>
+            </a:r>
+          </a:p>
+          <a:p>
+            <a:pPr marL="514350" indent="-514350">
+              <a:buAutoNum type="arabicPeriod"/>
+            </a:pPr>
+            <a:r>
+              <a:rPr lang="en-US" dirty="0"/>
+              <a:t>What is the best selling region ?</a:t>
+            </a:r>
+          </a:p>
+          <a:p>
+            <a:pPr marL="514350" indent="-514350">
+              <a:buAutoNum type="arabicPeriod"/>
+            </a:pPr>
+            <a:r>
+              <a:rPr lang="en-US" dirty="0"/>
+              <a:t>How can sales sell better?</a:t>
             </a:r>
           </a:p>
         </p:txBody>
